--- a/EECE3093C_Presentation.pptx
+++ b/EECE3093C_Presentation.pptx
@@ -5,42 +5,39 @@
     <p:sldMasterId id="2147483688" r:id="rId1"/>
   </p:sldMasterIdLst>
   <p:notesMasterIdLst>
-    <p:notesMasterId r:id="rId12"/>
+    <p:notesMasterId r:id="rId9"/>
   </p:notesMasterIdLst>
   <p:sldIdLst>
     <p:sldId id="256" r:id="rId2"/>
     <p:sldId id="260" r:id="rId3"/>
     <p:sldId id="257" r:id="rId4"/>
     <p:sldId id="258" r:id="rId5"/>
-    <p:sldId id="261" r:id="rId6"/>
-    <p:sldId id="264" r:id="rId7"/>
-    <p:sldId id="265" r:id="rId8"/>
-    <p:sldId id="266" r:id="rId9"/>
-    <p:sldId id="267" r:id="rId10"/>
-    <p:sldId id="268" r:id="rId11"/>
+    <p:sldId id="264" r:id="rId6"/>
+    <p:sldId id="266" r:id="rId7"/>
+    <p:sldId id="268" r:id="rId8"/>
   </p:sldIdLst>
   <p:sldSz cx="9144000" cy="5143500" type="screen16x9"/>
   <p:notesSz cx="6858000" cy="9144000"/>
   <p:embeddedFontLst>
     <p:embeddedFont>
       <p:font typeface="Fira Sans Extra Condensed Medium" panose="020B0604020202020204" charset="0"/>
-      <p:regular r:id="rId13"/>
-      <p:bold r:id="rId14"/>
-      <p:italic r:id="rId15"/>
-      <p:boldItalic r:id="rId16"/>
+      <p:regular r:id="rId10"/>
+      <p:bold r:id="rId11"/>
+      <p:italic r:id="rId12"/>
+      <p:boldItalic r:id="rId13"/>
     </p:embeddedFont>
     <p:embeddedFont>
       <p:font typeface="Righteous" panose="020B0604020202020204" charset="0"/>
-      <p:regular r:id="rId17"/>
+      <p:regular r:id="rId14"/>
     </p:embeddedFont>
     <p:embeddedFont>
       <p:font typeface="Roboto Condensed Light" panose="02000000000000000000" pitchFamily="2" charset="0"/>
-      <p:regular r:id="rId18"/>
-      <p:italic r:id="rId19"/>
+      <p:regular r:id="rId15"/>
+      <p:italic r:id="rId16"/>
     </p:embeddedFont>
     <p:embeddedFont>
       <p:font typeface="Squada One" panose="020B0604020202020204" charset="0"/>
-      <p:regular r:id="rId20"/>
+      <p:regular r:id="rId17"/>
     </p:embeddedFont>
   </p:embeddedFontLst>
   <p:defaultTextStyle>
@@ -825,115 +822,6 @@
 </p:notes>
 </file>
 
-<file path=ppt/notesSlides/notesSlide10.xml><?xml version="1.0" encoding="utf-8"?>
-<p:notes xmlns:a="http://schemas.openxmlformats.org/drawingml/2006/main" xmlns:r="http://schemas.openxmlformats.org/officeDocument/2006/relationships" xmlns:p="http://schemas.openxmlformats.org/presentationml/2006/main" showMasterSp="0" showMasterPhAnim="0">
-  <p:cSld>
-    <p:spTree>
-      <p:nvGrpSpPr>
-        <p:cNvPr id="1" name="Shape 387"/>
-        <p:cNvGrpSpPr/>
-        <p:nvPr/>
-      </p:nvGrpSpPr>
-      <p:grpSpPr>
-        <a:xfrm>
-          <a:off x="0" y="0"/>
-          <a:ext cx="0" cy="0"/>
-          <a:chOff x="0" y="0"/>
-          <a:chExt cx="0" cy="0"/>
-        </a:xfrm>
-      </p:grpSpPr>
-      <p:sp>
-        <p:nvSpPr>
-          <p:cNvPr id="388" name="Google Shape;388;g557095241f_0_81:notes"/>
-          <p:cNvSpPr>
-            <a:spLocks noGrp="1" noRot="1" noChangeAspect="1"/>
-          </p:cNvSpPr>
-          <p:nvPr>
-            <p:ph type="sldImg" idx="2"/>
-          </p:nvPr>
-        </p:nvSpPr>
-        <p:spPr>
-          <a:xfrm>
-            <a:off x="381000" y="685800"/>
-            <a:ext cx="6096000" cy="3429000"/>
-          </a:xfrm>
-          <a:custGeom>
-            <a:avLst/>
-            <a:gdLst/>
-            <a:ahLst/>
-            <a:cxnLst/>
-            <a:rect l="l" t="t" r="r" b="b"/>
-            <a:pathLst>
-              <a:path w="120000" h="120000" extrusionOk="0">
-                <a:moveTo>
-                  <a:pt x="0" y="0"/>
-                </a:moveTo>
-                <a:lnTo>
-                  <a:pt x="120000" y="0"/>
-                </a:lnTo>
-                <a:lnTo>
-                  <a:pt x="120000" y="120000"/>
-                </a:lnTo>
-                <a:lnTo>
-                  <a:pt x="0" y="120000"/>
-                </a:lnTo>
-                <a:close/>
-              </a:path>
-            </a:pathLst>
-          </a:custGeom>
-        </p:spPr>
-      </p:sp>
-      <p:sp>
-        <p:nvSpPr>
-          <p:cNvPr id="389" name="Google Shape;389;g557095241f_0_81:notes"/>
-          <p:cNvSpPr txBox="1">
-            <a:spLocks noGrp="1"/>
-          </p:cNvSpPr>
-          <p:nvPr>
-            <p:ph type="body" idx="1"/>
-          </p:nvPr>
-        </p:nvSpPr>
-        <p:spPr>
-          <a:xfrm>
-            <a:off x="685800" y="4343400"/>
-            <a:ext cx="5486400" cy="4114800"/>
-          </a:xfrm>
-          <a:prstGeom prst="rect">
-            <a:avLst/>
-          </a:prstGeom>
-        </p:spPr>
-        <p:txBody>
-          <a:bodyPr spcFirstLastPara="1" wrap="square" lIns="91425" tIns="91425" rIns="91425" bIns="91425" anchor="t" anchorCtr="0">
-            <a:noAutofit/>
-          </a:bodyPr>
-          <a:lstStyle/>
-          <a:p>
-            <a:pPr marL="0" lvl="0" indent="0" algn="l" rtl="0">
-              <a:spcBef>
-                <a:spcPts val="0"/>
-              </a:spcBef>
-              <a:spcAft>
-                <a:spcPts val="0"/>
-              </a:spcAft>
-              <a:buNone/>
-            </a:pPr>
-            <a:endParaRPr/>
-          </a:p>
-        </p:txBody>
-      </p:sp>
-    </p:spTree>
-    <p:extLst>
-      <p:ext uri="{BB962C8B-B14F-4D97-AF65-F5344CB8AC3E}">
-        <p14:creationId xmlns:p14="http://schemas.microsoft.com/office/powerpoint/2010/main" val="2762024411"/>
-      </p:ext>
-    </p:extLst>
-  </p:cSld>
-  <p:clrMapOvr>
-    <a:masterClrMapping/>
-  </p:clrMapOvr>
-</p:notes>
-</file>
-
 <file path=ppt/notesSlides/notesSlide2.xml><?xml version="1.0" encoding="utf-8"?>
 <p:notes xmlns:a="http://schemas.openxmlformats.org/drawingml/2006/main" xmlns:r="http://schemas.openxmlformats.org/officeDocument/2006/relationships" xmlns:p="http://schemas.openxmlformats.org/presentationml/2006/main" showMasterSp="0" showMasterPhAnim="0">
   <p:cSld>
@@ -1251,7 +1139,7 @@
   <p:cSld>
     <p:spTree>
       <p:nvGrpSpPr>
-        <p:cNvPr id="1" name="Shape 364"/>
+        <p:cNvPr id="1" name="Shape 387"/>
         <p:cNvGrpSpPr/>
         <p:nvPr/>
       </p:nvGrpSpPr>
@@ -1265,7 +1153,7 @@
       </p:grpSpPr>
       <p:sp>
         <p:nvSpPr>
-          <p:cNvPr id="365" name="Google Shape;365;g557095241f_0_45:notes"/>
+          <p:cNvPr id="388" name="Google Shape;388;g557095241f_0_81:notes"/>
           <p:cNvSpPr>
             <a:spLocks noGrp="1" noRot="1" noChangeAspect="1"/>
           </p:cNvSpPr>
@@ -1306,7 +1194,7 @@
       </p:sp>
       <p:sp>
         <p:nvSpPr>
-          <p:cNvPr id="366" name="Google Shape;366;g557095241f_0_45:notes"/>
+          <p:cNvPr id="389" name="Google Shape;389;g557095241f_0_81:notes"/>
           <p:cNvSpPr txBox="1">
             <a:spLocks noGrp="1"/>
           </p:cNvSpPr>
@@ -1447,113 +1335,9 @@
         </p:txBody>
       </p:sp>
     </p:spTree>
-  </p:cSld>
-  <p:clrMapOvr>
-    <a:masterClrMapping/>
-  </p:clrMapOvr>
-</p:notes>
-</file>
-
-<file path=ppt/notesSlides/notesSlide7.xml><?xml version="1.0" encoding="utf-8"?>
-<p:notes xmlns:a="http://schemas.openxmlformats.org/drawingml/2006/main" xmlns:r="http://schemas.openxmlformats.org/officeDocument/2006/relationships" xmlns:p="http://schemas.openxmlformats.org/presentationml/2006/main" showMasterSp="0" showMasterPhAnim="0">
-  <p:cSld>
-    <p:spTree>
-      <p:nvGrpSpPr>
-        <p:cNvPr id="1" name="Shape 364"/>
-        <p:cNvGrpSpPr/>
-        <p:nvPr/>
-      </p:nvGrpSpPr>
-      <p:grpSpPr>
-        <a:xfrm>
-          <a:off x="0" y="0"/>
-          <a:ext cx="0" cy="0"/>
-          <a:chOff x="0" y="0"/>
-          <a:chExt cx="0" cy="0"/>
-        </a:xfrm>
-      </p:grpSpPr>
-      <p:sp>
-        <p:nvSpPr>
-          <p:cNvPr id="365" name="Google Shape;365;g557095241f_0_45:notes"/>
-          <p:cNvSpPr>
-            <a:spLocks noGrp="1" noRot="1" noChangeAspect="1"/>
-          </p:cNvSpPr>
-          <p:nvPr>
-            <p:ph type="sldImg" idx="2"/>
-          </p:nvPr>
-        </p:nvSpPr>
-        <p:spPr>
-          <a:xfrm>
-            <a:off x="381000" y="685800"/>
-            <a:ext cx="6096000" cy="3429000"/>
-          </a:xfrm>
-          <a:custGeom>
-            <a:avLst/>
-            <a:gdLst/>
-            <a:ahLst/>
-            <a:cxnLst/>
-            <a:rect l="l" t="t" r="r" b="b"/>
-            <a:pathLst>
-              <a:path w="120000" h="120000" extrusionOk="0">
-                <a:moveTo>
-                  <a:pt x="0" y="0"/>
-                </a:moveTo>
-                <a:lnTo>
-                  <a:pt x="120000" y="0"/>
-                </a:lnTo>
-                <a:lnTo>
-                  <a:pt x="120000" y="120000"/>
-                </a:lnTo>
-                <a:lnTo>
-                  <a:pt x="0" y="120000"/>
-                </a:lnTo>
-                <a:close/>
-              </a:path>
-            </a:pathLst>
-          </a:custGeom>
-        </p:spPr>
-      </p:sp>
-      <p:sp>
-        <p:nvSpPr>
-          <p:cNvPr id="366" name="Google Shape;366;g557095241f_0_45:notes"/>
-          <p:cNvSpPr txBox="1">
-            <a:spLocks noGrp="1"/>
-          </p:cNvSpPr>
-          <p:nvPr>
-            <p:ph type="body" idx="1"/>
-          </p:nvPr>
-        </p:nvSpPr>
-        <p:spPr>
-          <a:xfrm>
-            <a:off x="685800" y="4343400"/>
-            <a:ext cx="5486400" cy="4114800"/>
-          </a:xfrm>
-          <a:prstGeom prst="rect">
-            <a:avLst/>
-          </a:prstGeom>
-        </p:spPr>
-        <p:txBody>
-          <a:bodyPr spcFirstLastPara="1" wrap="square" lIns="91425" tIns="91425" rIns="91425" bIns="91425" anchor="t" anchorCtr="0">
-            <a:noAutofit/>
-          </a:bodyPr>
-          <a:lstStyle/>
-          <a:p>
-            <a:pPr marL="0" lvl="0" indent="0" algn="l" rtl="0">
-              <a:spcBef>
-                <a:spcPts val="0"/>
-              </a:spcBef>
-              <a:spcAft>
-                <a:spcPts val="0"/>
-              </a:spcAft>
-              <a:buNone/>
-            </a:pPr>
-            <a:endParaRPr/>
-          </a:p>
-        </p:txBody>
-      </p:sp>
-    </p:spTree>
     <p:extLst>
       <p:ext uri="{BB962C8B-B14F-4D97-AF65-F5344CB8AC3E}">
-        <p14:creationId xmlns:p14="http://schemas.microsoft.com/office/powerpoint/2010/main" val="4263584367"/>
+        <p14:creationId xmlns:p14="http://schemas.microsoft.com/office/powerpoint/2010/main" val="1025053144"/>
       </p:ext>
     </p:extLst>
   </p:cSld>
@@ -1563,7 +1347,7 @@
 </p:notes>
 </file>
 
-<file path=ppt/notesSlides/notesSlide8.xml><?xml version="1.0" encoding="utf-8"?>
+<file path=ppt/notesSlides/notesSlide7.xml><?xml version="1.0" encoding="utf-8"?>
 <p:notes xmlns:a="http://schemas.openxmlformats.org/drawingml/2006/main" xmlns:r="http://schemas.openxmlformats.org/officeDocument/2006/relationships" xmlns:p="http://schemas.openxmlformats.org/presentationml/2006/main" showMasterSp="0" showMasterPhAnim="0">
   <p:cSld>
     <p:spTree>
@@ -1662,116 +1446,7 @@
     </p:spTree>
     <p:extLst>
       <p:ext uri="{BB962C8B-B14F-4D97-AF65-F5344CB8AC3E}">
-        <p14:creationId xmlns:p14="http://schemas.microsoft.com/office/powerpoint/2010/main" val="1025053144"/>
-      </p:ext>
-    </p:extLst>
-  </p:cSld>
-  <p:clrMapOvr>
-    <a:masterClrMapping/>
-  </p:clrMapOvr>
-</p:notes>
-</file>
-
-<file path=ppt/notesSlides/notesSlide9.xml><?xml version="1.0" encoding="utf-8"?>
-<p:notes xmlns:a="http://schemas.openxmlformats.org/drawingml/2006/main" xmlns:r="http://schemas.openxmlformats.org/officeDocument/2006/relationships" xmlns:p="http://schemas.openxmlformats.org/presentationml/2006/main" showMasterSp="0" showMasterPhAnim="0">
-  <p:cSld>
-    <p:spTree>
-      <p:nvGrpSpPr>
-        <p:cNvPr id="1" name="Shape 364"/>
-        <p:cNvGrpSpPr/>
-        <p:nvPr/>
-      </p:nvGrpSpPr>
-      <p:grpSpPr>
-        <a:xfrm>
-          <a:off x="0" y="0"/>
-          <a:ext cx="0" cy="0"/>
-          <a:chOff x="0" y="0"/>
-          <a:chExt cx="0" cy="0"/>
-        </a:xfrm>
-      </p:grpSpPr>
-      <p:sp>
-        <p:nvSpPr>
-          <p:cNvPr id="365" name="Google Shape;365;g557095241f_0_45:notes"/>
-          <p:cNvSpPr>
-            <a:spLocks noGrp="1" noRot="1" noChangeAspect="1"/>
-          </p:cNvSpPr>
-          <p:nvPr>
-            <p:ph type="sldImg" idx="2"/>
-          </p:nvPr>
-        </p:nvSpPr>
-        <p:spPr>
-          <a:xfrm>
-            <a:off x="381000" y="685800"/>
-            <a:ext cx="6096000" cy="3429000"/>
-          </a:xfrm>
-          <a:custGeom>
-            <a:avLst/>
-            <a:gdLst/>
-            <a:ahLst/>
-            <a:cxnLst/>
-            <a:rect l="l" t="t" r="r" b="b"/>
-            <a:pathLst>
-              <a:path w="120000" h="120000" extrusionOk="0">
-                <a:moveTo>
-                  <a:pt x="0" y="0"/>
-                </a:moveTo>
-                <a:lnTo>
-                  <a:pt x="120000" y="0"/>
-                </a:lnTo>
-                <a:lnTo>
-                  <a:pt x="120000" y="120000"/>
-                </a:lnTo>
-                <a:lnTo>
-                  <a:pt x="0" y="120000"/>
-                </a:lnTo>
-                <a:close/>
-              </a:path>
-            </a:pathLst>
-          </a:custGeom>
-        </p:spPr>
-      </p:sp>
-      <p:sp>
-        <p:nvSpPr>
-          <p:cNvPr id="366" name="Google Shape;366;g557095241f_0_45:notes"/>
-          <p:cNvSpPr txBox="1">
-            <a:spLocks noGrp="1"/>
-          </p:cNvSpPr>
-          <p:nvPr>
-            <p:ph type="body" idx="1"/>
-          </p:nvPr>
-        </p:nvSpPr>
-        <p:spPr>
-          <a:xfrm>
-            <a:off x="685800" y="4343400"/>
-            <a:ext cx="5486400" cy="4114800"/>
-          </a:xfrm>
-          <a:prstGeom prst="rect">
-            <a:avLst/>
-          </a:prstGeom>
-        </p:spPr>
-        <p:txBody>
-          <a:bodyPr spcFirstLastPara="1" wrap="square" lIns="91425" tIns="91425" rIns="91425" bIns="91425" anchor="t" anchorCtr="0">
-            <a:noAutofit/>
-          </a:bodyPr>
-          <a:lstStyle/>
-          <a:p>
-            <a:pPr marL="0" lvl="0" indent="0" algn="l" rtl="0">
-              <a:spcBef>
-                <a:spcPts val="0"/>
-              </a:spcBef>
-              <a:spcAft>
-                <a:spcPts val="0"/>
-              </a:spcAft>
-              <a:buNone/>
-            </a:pPr>
-            <a:endParaRPr/>
-          </a:p>
-        </p:txBody>
-      </p:sp>
-    </p:spTree>
-    <p:extLst>
-      <p:ext uri="{BB962C8B-B14F-4D97-AF65-F5344CB8AC3E}">
-        <p14:creationId xmlns:p14="http://schemas.microsoft.com/office/powerpoint/2010/main" val="3823375354"/>
+        <p14:creationId xmlns:p14="http://schemas.microsoft.com/office/powerpoint/2010/main" val="2762024411"/>
       </p:ext>
     </p:extLst>
   </p:cSld>
@@ -7045,522 +6720,6 @@
 </file>
 
 <file path=ppt/slideLayouts/slideLayout5.xml><?xml version="1.0" encoding="utf-8"?>
-<p:sldLayout xmlns:a="http://schemas.openxmlformats.org/drawingml/2006/main" xmlns:r="http://schemas.openxmlformats.org/officeDocument/2006/relationships" xmlns:p="http://schemas.openxmlformats.org/presentationml/2006/main" matchingName="TITLE + SUBTITLE">
-  <p:cSld name="CUSTOM_4">
-    <p:spTree>
-      <p:nvGrpSpPr>
-        <p:cNvPr id="1" name="Shape 69"/>
-        <p:cNvGrpSpPr/>
-        <p:nvPr/>
-      </p:nvGrpSpPr>
-      <p:grpSpPr>
-        <a:xfrm>
-          <a:off x="0" y="0"/>
-          <a:ext cx="0" cy="0"/>
-          <a:chOff x="0" y="0"/>
-          <a:chExt cx="0" cy="0"/>
-        </a:xfrm>
-      </p:grpSpPr>
-      <p:pic>
-        <p:nvPicPr>
-          <p:cNvPr id="70" name="Google Shape;70;p9"/>
-          <p:cNvPicPr preferRelativeResize="0"/>
-          <p:nvPr/>
-        </p:nvPicPr>
-        <p:blipFill rotWithShape="1">
-          <a:blip r:embed="rId2">
-            <a:alphaModFix/>
-          </a:blip>
-          <a:srcRect l="5517" t="7541" r="39802" b="1482"/>
-          <a:stretch/>
-        </p:blipFill>
-        <p:spPr>
-          <a:xfrm>
-            <a:off x="102" y="0"/>
-            <a:ext cx="3683323" cy="3446950"/>
-          </a:xfrm>
-          <a:prstGeom prst="rect">
-            <a:avLst/>
-          </a:prstGeom>
-          <a:noFill/>
-          <a:ln>
-            <a:noFill/>
-          </a:ln>
-        </p:spPr>
-      </p:pic>
-      <p:pic>
-        <p:nvPicPr>
-          <p:cNvPr id="71" name="Google Shape;71;p9"/>
-          <p:cNvPicPr preferRelativeResize="0"/>
-          <p:nvPr/>
-        </p:nvPicPr>
-        <p:blipFill rotWithShape="1">
-          <a:blip r:embed="rId2">
-            <a:alphaModFix/>
-          </a:blip>
-          <a:srcRect l="5517" t="7541" r="39802" b="1482"/>
-          <a:stretch/>
-        </p:blipFill>
-        <p:spPr>
-          <a:xfrm rot="10800000">
-            <a:off x="5457877" y="1699550"/>
-            <a:ext cx="3683323" cy="3446950"/>
-          </a:xfrm>
-          <a:prstGeom prst="rect">
-            <a:avLst/>
-          </a:prstGeom>
-          <a:noFill/>
-          <a:ln>
-            <a:noFill/>
-          </a:ln>
-        </p:spPr>
-      </p:pic>
-      <p:sp>
-        <p:nvSpPr>
-          <p:cNvPr id="72" name="Google Shape;72;p9"/>
-          <p:cNvSpPr txBox="1">
-            <a:spLocks noGrp="1"/>
-          </p:cNvSpPr>
-          <p:nvPr>
-            <p:ph type="ctrTitle"/>
-          </p:nvPr>
-        </p:nvSpPr>
-        <p:spPr>
-          <a:xfrm>
-            <a:off x="1250675" y="1851425"/>
-            <a:ext cx="6658800" cy="670500"/>
-          </a:xfrm>
-          <a:prstGeom prst="rect">
-            <a:avLst/>
-          </a:prstGeom>
-        </p:spPr>
-        <p:txBody>
-          <a:bodyPr spcFirstLastPara="1" wrap="square" lIns="91425" tIns="91425" rIns="91425" bIns="91425" anchor="b" anchorCtr="0">
-            <a:noAutofit/>
-          </a:bodyPr>
-          <a:lstStyle>
-            <a:lvl1pPr lvl="0" algn="ctr" rtl="0">
-              <a:spcBef>
-                <a:spcPts val="0"/>
-              </a:spcBef>
-              <a:spcAft>
-                <a:spcPts val="0"/>
-              </a:spcAft>
-              <a:buClr>
-                <a:schemeClr val="dk2"/>
-              </a:buClr>
-              <a:buSzPts val="3600"/>
-              <a:buNone/>
-              <a:defRPr sz="3600">
-                <a:solidFill>
-                  <a:schemeClr val="dk2"/>
-                </a:solidFill>
-              </a:defRPr>
-            </a:lvl1pPr>
-            <a:lvl2pPr lvl="1" algn="ctr" rtl="0">
-              <a:spcBef>
-                <a:spcPts val="0"/>
-              </a:spcBef>
-              <a:spcAft>
-                <a:spcPts val="0"/>
-              </a:spcAft>
-              <a:buClr>
-                <a:schemeClr val="dk2"/>
-              </a:buClr>
-              <a:buSzPts val="1800"/>
-              <a:buNone/>
-              <a:defRPr sz="1800">
-                <a:solidFill>
-                  <a:schemeClr val="dk2"/>
-                </a:solidFill>
-              </a:defRPr>
-            </a:lvl2pPr>
-            <a:lvl3pPr lvl="2" algn="ctr" rtl="0">
-              <a:spcBef>
-                <a:spcPts val="0"/>
-              </a:spcBef>
-              <a:spcAft>
-                <a:spcPts val="0"/>
-              </a:spcAft>
-              <a:buClr>
-                <a:schemeClr val="dk2"/>
-              </a:buClr>
-              <a:buSzPts val="1800"/>
-              <a:buNone/>
-              <a:defRPr sz="1800">
-                <a:solidFill>
-                  <a:schemeClr val="dk2"/>
-                </a:solidFill>
-              </a:defRPr>
-            </a:lvl3pPr>
-            <a:lvl4pPr lvl="3" algn="ctr" rtl="0">
-              <a:spcBef>
-                <a:spcPts val="0"/>
-              </a:spcBef>
-              <a:spcAft>
-                <a:spcPts val="0"/>
-              </a:spcAft>
-              <a:buClr>
-                <a:schemeClr val="dk2"/>
-              </a:buClr>
-              <a:buSzPts val="1800"/>
-              <a:buNone/>
-              <a:defRPr sz="1800">
-                <a:solidFill>
-                  <a:schemeClr val="dk2"/>
-                </a:solidFill>
-              </a:defRPr>
-            </a:lvl4pPr>
-            <a:lvl5pPr lvl="4" algn="ctr" rtl="0">
-              <a:spcBef>
-                <a:spcPts val="0"/>
-              </a:spcBef>
-              <a:spcAft>
-                <a:spcPts val="0"/>
-              </a:spcAft>
-              <a:buClr>
-                <a:schemeClr val="dk2"/>
-              </a:buClr>
-              <a:buSzPts val="1800"/>
-              <a:buNone/>
-              <a:defRPr sz="1800">
-                <a:solidFill>
-                  <a:schemeClr val="dk2"/>
-                </a:solidFill>
-              </a:defRPr>
-            </a:lvl5pPr>
-            <a:lvl6pPr lvl="5" algn="ctr" rtl="0">
-              <a:spcBef>
-                <a:spcPts val="0"/>
-              </a:spcBef>
-              <a:spcAft>
-                <a:spcPts val="0"/>
-              </a:spcAft>
-              <a:buClr>
-                <a:schemeClr val="dk2"/>
-              </a:buClr>
-              <a:buSzPts val="1800"/>
-              <a:buNone/>
-              <a:defRPr sz="1800">
-                <a:solidFill>
-                  <a:schemeClr val="dk2"/>
-                </a:solidFill>
-              </a:defRPr>
-            </a:lvl6pPr>
-            <a:lvl7pPr lvl="6" algn="ctr" rtl="0">
-              <a:spcBef>
-                <a:spcPts val="0"/>
-              </a:spcBef>
-              <a:spcAft>
-                <a:spcPts val="0"/>
-              </a:spcAft>
-              <a:buClr>
-                <a:schemeClr val="dk2"/>
-              </a:buClr>
-              <a:buSzPts val="1800"/>
-              <a:buNone/>
-              <a:defRPr sz="1800">
-                <a:solidFill>
-                  <a:schemeClr val="dk2"/>
-                </a:solidFill>
-              </a:defRPr>
-            </a:lvl7pPr>
-            <a:lvl8pPr lvl="7" algn="ctr" rtl="0">
-              <a:spcBef>
-                <a:spcPts val="0"/>
-              </a:spcBef>
-              <a:spcAft>
-                <a:spcPts val="0"/>
-              </a:spcAft>
-              <a:buClr>
-                <a:schemeClr val="dk2"/>
-              </a:buClr>
-              <a:buSzPts val="1800"/>
-              <a:buNone/>
-              <a:defRPr sz="1800">
-                <a:solidFill>
-                  <a:schemeClr val="dk2"/>
-                </a:solidFill>
-              </a:defRPr>
-            </a:lvl8pPr>
-            <a:lvl9pPr lvl="8" algn="ctr" rtl="0">
-              <a:spcBef>
-                <a:spcPts val="0"/>
-              </a:spcBef>
-              <a:spcAft>
-                <a:spcPts val="0"/>
-              </a:spcAft>
-              <a:buClr>
-                <a:schemeClr val="dk2"/>
-              </a:buClr>
-              <a:buSzPts val="1800"/>
-              <a:buNone/>
-              <a:defRPr sz="1800">
-                <a:solidFill>
-                  <a:schemeClr val="dk2"/>
-                </a:solidFill>
-              </a:defRPr>
-            </a:lvl9pPr>
-          </a:lstStyle>
-          <a:p>
-            <a:endParaRPr/>
-          </a:p>
-        </p:txBody>
-      </p:sp>
-      <p:sp>
-        <p:nvSpPr>
-          <p:cNvPr id="73" name="Google Shape;73;p9"/>
-          <p:cNvSpPr txBox="1">
-            <a:spLocks noGrp="1"/>
-          </p:cNvSpPr>
-          <p:nvPr>
-            <p:ph type="subTitle" idx="1"/>
-          </p:nvPr>
-        </p:nvSpPr>
-        <p:spPr>
-          <a:xfrm>
-            <a:off x="3114750" y="2640476"/>
-            <a:ext cx="2930700" cy="651600"/>
-          </a:xfrm>
-          <a:prstGeom prst="rect">
-            <a:avLst/>
-          </a:prstGeom>
-        </p:spPr>
-        <p:txBody>
-          <a:bodyPr spcFirstLastPara="1" wrap="square" lIns="91425" tIns="91425" rIns="91425" bIns="91425" anchor="t" anchorCtr="0">
-            <a:noAutofit/>
-          </a:bodyPr>
-          <a:lstStyle>
-            <a:lvl1pPr lvl="0" algn="ctr" rtl="0">
-              <a:lnSpc>
-                <a:spcPct val="100000"/>
-              </a:lnSpc>
-              <a:spcBef>
-                <a:spcPts val="0"/>
-              </a:spcBef>
-              <a:spcAft>
-                <a:spcPts val="0"/>
-              </a:spcAft>
-              <a:buClr>
-                <a:schemeClr val="dk2"/>
-              </a:buClr>
-              <a:buSzPts val="1000"/>
-              <a:buNone/>
-              <a:defRPr sz="1000">
-                <a:solidFill>
-                  <a:schemeClr val="dk2"/>
-                </a:solidFill>
-              </a:defRPr>
-            </a:lvl1pPr>
-            <a:lvl2pPr lvl="1" algn="ctr" rtl="0">
-              <a:lnSpc>
-                <a:spcPct val="100000"/>
-              </a:lnSpc>
-              <a:spcBef>
-                <a:spcPts val="0"/>
-              </a:spcBef>
-              <a:spcAft>
-                <a:spcPts val="0"/>
-              </a:spcAft>
-              <a:buClr>
-                <a:schemeClr val="dk2"/>
-              </a:buClr>
-              <a:buSzPts val="1000"/>
-              <a:buNone/>
-              <a:defRPr sz="1000">
-                <a:solidFill>
-                  <a:schemeClr val="dk2"/>
-                </a:solidFill>
-              </a:defRPr>
-            </a:lvl2pPr>
-            <a:lvl3pPr lvl="2" algn="ctr" rtl="0">
-              <a:lnSpc>
-                <a:spcPct val="100000"/>
-              </a:lnSpc>
-              <a:spcBef>
-                <a:spcPts val="0"/>
-              </a:spcBef>
-              <a:spcAft>
-                <a:spcPts val="0"/>
-              </a:spcAft>
-              <a:buClr>
-                <a:schemeClr val="dk2"/>
-              </a:buClr>
-              <a:buSzPts val="1000"/>
-              <a:buNone/>
-              <a:defRPr sz="1000">
-                <a:solidFill>
-                  <a:schemeClr val="dk2"/>
-                </a:solidFill>
-              </a:defRPr>
-            </a:lvl3pPr>
-            <a:lvl4pPr lvl="3" algn="ctr" rtl="0">
-              <a:lnSpc>
-                <a:spcPct val="100000"/>
-              </a:lnSpc>
-              <a:spcBef>
-                <a:spcPts val="0"/>
-              </a:spcBef>
-              <a:spcAft>
-                <a:spcPts val="0"/>
-              </a:spcAft>
-              <a:buClr>
-                <a:schemeClr val="dk2"/>
-              </a:buClr>
-              <a:buSzPts val="1000"/>
-              <a:buNone/>
-              <a:defRPr sz="1000">
-                <a:solidFill>
-                  <a:schemeClr val="dk2"/>
-                </a:solidFill>
-              </a:defRPr>
-            </a:lvl4pPr>
-            <a:lvl5pPr lvl="4" algn="ctr" rtl="0">
-              <a:lnSpc>
-                <a:spcPct val="100000"/>
-              </a:lnSpc>
-              <a:spcBef>
-                <a:spcPts val="0"/>
-              </a:spcBef>
-              <a:spcAft>
-                <a:spcPts val="0"/>
-              </a:spcAft>
-              <a:buClr>
-                <a:schemeClr val="dk2"/>
-              </a:buClr>
-              <a:buSzPts val="1000"/>
-              <a:buNone/>
-              <a:defRPr sz="1000">
-                <a:solidFill>
-                  <a:schemeClr val="dk2"/>
-                </a:solidFill>
-              </a:defRPr>
-            </a:lvl5pPr>
-            <a:lvl6pPr lvl="5" algn="ctr" rtl="0">
-              <a:lnSpc>
-                <a:spcPct val="100000"/>
-              </a:lnSpc>
-              <a:spcBef>
-                <a:spcPts val="0"/>
-              </a:spcBef>
-              <a:spcAft>
-                <a:spcPts val="0"/>
-              </a:spcAft>
-              <a:buClr>
-                <a:schemeClr val="dk2"/>
-              </a:buClr>
-              <a:buSzPts val="1000"/>
-              <a:buNone/>
-              <a:defRPr sz="1000">
-                <a:solidFill>
-                  <a:schemeClr val="dk2"/>
-                </a:solidFill>
-              </a:defRPr>
-            </a:lvl6pPr>
-            <a:lvl7pPr lvl="6" algn="ctr" rtl="0">
-              <a:lnSpc>
-                <a:spcPct val="100000"/>
-              </a:lnSpc>
-              <a:spcBef>
-                <a:spcPts val="0"/>
-              </a:spcBef>
-              <a:spcAft>
-                <a:spcPts val="0"/>
-              </a:spcAft>
-              <a:buClr>
-                <a:schemeClr val="dk2"/>
-              </a:buClr>
-              <a:buSzPts val="1000"/>
-              <a:buNone/>
-              <a:defRPr sz="1000">
-                <a:solidFill>
-                  <a:schemeClr val="dk2"/>
-                </a:solidFill>
-              </a:defRPr>
-            </a:lvl7pPr>
-            <a:lvl8pPr lvl="7" algn="ctr" rtl="0">
-              <a:lnSpc>
-                <a:spcPct val="100000"/>
-              </a:lnSpc>
-              <a:spcBef>
-                <a:spcPts val="0"/>
-              </a:spcBef>
-              <a:spcAft>
-                <a:spcPts val="0"/>
-              </a:spcAft>
-              <a:buClr>
-                <a:schemeClr val="dk2"/>
-              </a:buClr>
-              <a:buSzPts val="1000"/>
-              <a:buNone/>
-              <a:defRPr sz="1000">
-                <a:solidFill>
-                  <a:schemeClr val="dk2"/>
-                </a:solidFill>
-              </a:defRPr>
-            </a:lvl8pPr>
-            <a:lvl9pPr lvl="8" algn="ctr" rtl="0">
-              <a:lnSpc>
-                <a:spcPct val="100000"/>
-              </a:lnSpc>
-              <a:spcBef>
-                <a:spcPts val="0"/>
-              </a:spcBef>
-              <a:spcAft>
-                <a:spcPts val="0"/>
-              </a:spcAft>
-              <a:buClr>
-                <a:schemeClr val="dk2"/>
-              </a:buClr>
-              <a:buSzPts val="1000"/>
-              <a:buNone/>
-              <a:defRPr sz="1000">
-                <a:solidFill>
-                  <a:schemeClr val="dk2"/>
-                </a:solidFill>
-              </a:defRPr>
-            </a:lvl9pPr>
-          </a:lstStyle>
-          <a:p>
-            <a:endParaRPr/>
-          </a:p>
-        </p:txBody>
-      </p:sp>
-      <p:cxnSp>
-        <p:nvCxnSpPr>
-          <p:cNvPr id="74" name="Google Shape;74;p9"/>
-          <p:cNvCxnSpPr/>
-          <p:nvPr/>
-        </p:nvCxnSpPr>
-        <p:spPr>
-          <a:xfrm>
-            <a:off x="3681150" y="2571750"/>
-            <a:ext cx="1797900" cy="0"/>
-          </a:xfrm>
-          <a:prstGeom prst="straightConnector1">
-            <a:avLst/>
-          </a:prstGeom>
-          <a:noFill/>
-          <a:ln w="19050" cap="flat" cmpd="sng">
-            <a:solidFill>
-              <a:schemeClr val="dk2"/>
-            </a:solidFill>
-            <a:prstDash val="solid"/>
-            <a:round/>
-            <a:headEnd type="none" w="med" len="med"/>
-            <a:tailEnd type="none" w="med" len="med"/>
-          </a:ln>
-        </p:spPr>
-      </p:cxnSp>
-    </p:spTree>
-  </p:cSld>
-  <p:clrMapOvr>
-    <a:masterClrMapping/>
-  </p:clrMapOvr>
-</p:sldLayout>
-</file>
-
-<file path=ppt/slideLayouts/slideLayout6.xml><?xml version="1.0" encoding="utf-8"?>
 <p:sldLayout xmlns:a="http://schemas.openxmlformats.org/drawingml/2006/main" xmlns:r="http://schemas.openxmlformats.org/officeDocument/2006/relationships" xmlns:p="http://schemas.openxmlformats.org/presentationml/2006/main" matchingName="BACKGROUND">
   <p:cSld name="CUSTOM_8">
     <p:spTree>
@@ -7585,7 +6744,7 @@
 </p:sldLayout>
 </file>
 
-<file path=ppt/slideLayouts/slideLayout7.xml><?xml version="1.0" encoding="utf-8"?>
+<file path=ppt/slideLayouts/slideLayout6.xml><?xml version="1.0" encoding="utf-8"?>
 <p:sldLayout xmlns:a="http://schemas.openxmlformats.org/drawingml/2006/main" xmlns:r="http://schemas.openxmlformats.org/officeDocument/2006/relationships" xmlns:p="http://schemas.openxmlformats.org/presentationml/2006/main" matchingName="BLANK SLIDE">
   <p:cSld name="CUSTOM_9">
     <p:bg>
@@ -7616,7 +6775,7 @@
 </p:sldLayout>
 </file>
 
-<file path=ppt/slideLayouts/slideLayout8.xml><?xml version="1.0" encoding="utf-8"?>
+<file path=ppt/slideLayouts/slideLayout7.xml><?xml version="1.0" encoding="utf-8"?>
 <p:sldLayout xmlns:a="http://schemas.openxmlformats.org/drawingml/2006/main" xmlns:r="http://schemas.openxmlformats.org/officeDocument/2006/relationships" xmlns:p="http://schemas.openxmlformats.org/presentationml/2006/main" matchingName="TITLE 2">
   <p:cSld name="TITLE 2">
     <p:spTree>
@@ -8414,7 +7573,7 @@
           <p:nvPr/>
         </p:nvPicPr>
         <p:blipFill>
-          <a:blip r:embed="rId10">
+          <a:blip r:embed="rId9">
             <a:alphaModFix/>
           </a:blip>
           <a:stretch>
@@ -8443,10 +7602,9 @@
     <p:sldLayoutId id="2147483649" r:id="rId2"/>
     <p:sldLayoutId id="2147483652" r:id="rId3"/>
     <p:sldLayoutId id="2147483654" r:id="rId4"/>
-    <p:sldLayoutId id="2147483655" r:id="rId5"/>
-    <p:sldLayoutId id="2147483660" r:id="rId6"/>
-    <p:sldLayoutId id="2147483661" r:id="rId7"/>
-    <p:sldLayoutId id="2147483689" r:id="rId8"/>
+    <p:sldLayoutId id="2147483660" r:id="rId5"/>
+    <p:sldLayoutId id="2147483661" r:id="rId6"/>
+    <p:sldLayoutId id="2147483689" r:id="rId7"/>
   </p:sldLayoutIdLst>
   <p:hf sldNum="0" hdr="0" ftr="0" dt="0"/>
   <p:txStyles>
@@ -9224,275 +8382,6 @@
 </p:sld>
 </file>
 
-<file path=ppt/slides/slide10.xml><?xml version="1.0" encoding="utf-8"?>
-<p:sld xmlns:a="http://schemas.openxmlformats.org/drawingml/2006/main" xmlns:r="http://schemas.openxmlformats.org/officeDocument/2006/relationships" xmlns:p="http://schemas.openxmlformats.org/presentationml/2006/main">
-  <p:cSld>
-    <p:spTree>
-      <p:nvGrpSpPr>
-        <p:cNvPr id="1" name="Shape 390"/>
-        <p:cNvGrpSpPr/>
-        <p:nvPr/>
-      </p:nvGrpSpPr>
-      <p:grpSpPr>
-        <a:xfrm>
-          <a:off x="0" y="0"/>
-          <a:ext cx="0" cy="0"/>
-          <a:chOff x="0" y="0"/>
-          <a:chExt cx="0" cy="0"/>
-        </a:xfrm>
-      </p:grpSpPr>
-      <p:sp>
-        <p:nvSpPr>
-          <p:cNvPr id="391" name="Google Shape;391;p53"/>
-          <p:cNvSpPr txBox="1">
-            <a:spLocks noGrp="1"/>
-          </p:cNvSpPr>
-          <p:nvPr>
-            <p:ph type="ctrTitle"/>
-          </p:nvPr>
-        </p:nvSpPr>
-        <p:spPr>
-          <a:xfrm flipH="1">
-            <a:off x="749100" y="500825"/>
-            <a:ext cx="8394900" cy="670500"/>
-          </a:xfrm>
-          <a:prstGeom prst="rect">
-            <a:avLst/>
-          </a:prstGeom>
-        </p:spPr>
-        <p:txBody>
-          <a:bodyPr spcFirstLastPara="1" wrap="square" lIns="91425" tIns="91425" rIns="91425" bIns="91425" anchor="t" anchorCtr="0">
-            <a:noAutofit/>
-          </a:bodyPr>
-          <a:lstStyle/>
-          <a:p>
-            <a:pPr marL="0" lvl="0" indent="0" algn="l" rtl="0">
-              <a:spcBef>
-                <a:spcPts val="0"/>
-              </a:spcBef>
-              <a:spcAft>
-                <a:spcPts val="0"/>
-              </a:spcAft>
-              <a:buNone/>
-            </a:pPr>
-            <a:r>
-              <a:rPr lang="es" dirty="0"/>
-              <a:t>CHALLENGES &amp; RISKS</a:t>
-            </a:r>
-            <a:endParaRPr dirty="0"/>
-          </a:p>
-        </p:txBody>
-      </p:sp>
-      <p:sp>
-        <p:nvSpPr>
-          <p:cNvPr id="4" name="TextBox 3">
-            <a:extLst>
-              <a:ext uri="{FF2B5EF4-FFF2-40B4-BE49-F238E27FC236}">
-                <a16:creationId xmlns:a16="http://schemas.microsoft.com/office/drawing/2014/main" id="{F10025B3-EE60-2096-B265-441C49378FA0}"/>
-              </a:ext>
-            </a:extLst>
-          </p:cNvPr>
-          <p:cNvSpPr txBox="1"/>
-          <p:nvPr/>
-        </p:nvSpPr>
-        <p:spPr>
-          <a:xfrm>
-            <a:off x="749100" y="1417588"/>
-            <a:ext cx="6135794" cy="2308324"/>
-          </a:xfrm>
-          <a:prstGeom prst="rect">
-            <a:avLst/>
-          </a:prstGeom>
-          <a:noFill/>
-        </p:spPr>
-        <p:txBody>
-          <a:bodyPr wrap="square">
-            <a:spAutoFit/>
-          </a:bodyPr>
-          <a:lstStyle/>
-          <a:p>
-            <a:pPr marL="285750" indent="-285750" algn="l">
-              <a:buClr>
-                <a:schemeClr val="bg2"/>
-              </a:buClr>
-              <a:buFont typeface="Arial" panose="020B0604020202020204" pitchFamily="34" charset="0"/>
-              <a:buChar char="•"/>
-            </a:pPr>
-            <a:r>
-              <a:rPr lang="en-US" sz="1600" b="0" i="0" dirty="0">
-                <a:solidFill>
-                  <a:schemeClr val="bg2"/>
-                </a:solidFill>
-                <a:effectLst/>
-                <a:latin typeface="Söhne"/>
-              </a:rPr>
-              <a:t>Securing data storage and encryption</a:t>
-            </a:r>
-          </a:p>
-          <a:p>
-            <a:pPr marL="285750" indent="-285750" algn="l">
-              <a:buClr>
-                <a:schemeClr val="bg2"/>
-              </a:buClr>
-              <a:buFont typeface="Arial" panose="020B0604020202020204" pitchFamily="34" charset="0"/>
-              <a:buChar char="•"/>
-            </a:pPr>
-            <a:r>
-              <a:rPr lang="en-US" sz="1600" b="0" i="0" dirty="0">
-                <a:solidFill>
-                  <a:schemeClr val="bg2"/>
-                </a:solidFill>
-                <a:effectLst/>
-                <a:latin typeface="Söhne"/>
-              </a:rPr>
-              <a:t>Designing an efficient and fast data structure</a:t>
-            </a:r>
-          </a:p>
-          <a:p>
-            <a:pPr marL="285750" indent="-285750" algn="l">
-              <a:buClr>
-                <a:schemeClr val="bg2"/>
-              </a:buClr>
-              <a:buFont typeface="Arial" panose="020B0604020202020204" pitchFamily="34" charset="0"/>
-              <a:buChar char="•"/>
-            </a:pPr>
-            <a:r>
-              <a:rPr lang="en-US" sz="1600" b="0" i="0" dirty="0">
-                <a:solidFill>
-                  <a:schemeClr val="bg2"/>
-                </a:solidFill>
-                <a:effectLst/>
-                <a:latin typeface="Söhne"/>
-              </a:rPr>
-              <a:t>Creating a unique and engaging user experience</a:t>
-            </a:r>
-          </a:p>
-          <a:p>
-            <a:pPr marL="285750" indent="-285750" algn="l">
-              <a:buClr>
-                <a:schemeClr val="bg2"/>
-              </a:buClr>
-              <a:buFont typeface="Arial" panose="020B0604020202020204" pitchFamily="34" charset="0"/>
-              <a:buChar char="•"/>
-            </a:pPr>
-            <a:r>
-              <a:rPr lang="en-US" sz="1600" b="0" i="0" dirty="0">
-                <a:solidFill>
-                  <a:schemeClr val="bg2"/>
-                </a:solidFill>
-                <a:effectLst/>
-                <a:latin typeface="Söhne"/>
-              </a:rPr>
-              <a:t>Finding restaurants to host on our website</a:t>
-            </a:r>
-          </a:p>
-          <a:p>
-            <a:pPr marL="285750" indent="-285750" algn="l">
-              <a:buClr>
-                <a:schemeClr val="bg2"/>
-              </a:buClr>
-              <a:buFont typeface="Arial" panose="020B0604020202020204" pitchFamily="34" charset="0"/>
-              <a:buChar char="•"/>
-            </a:pPr>
-            <a:r>
-              <a:rPr lang="en-US" sz="1600" b="0" i="0" dirty="0">
-                <a:solidFill>
-                  <a:schemeClr val="bg2"/>
-                </a:solidFill>
-                <a:effectLst/>
-                <a:latin typeface="Söhne"/>
-              </a:rPr>
-              <a:t>Risk of data breach by hackers</a:t>
-            </a:r>
-          </a:p>
-          <a:p>
-            <a:pPr marL="285750" indent="-285750" algn="l">
-              <a:buClr>
-                <a:schemeClr val="bg2"/>
-              </a:buClr>
-              <a:buFont typeface="Arial" panose="020B0604020202020204" pitchFamily="34" charset="0"/>
-              <a:buChar char="•"/>
-            </a:pPr>
-            <a:r>
-              <a:rPr lang="en-US" sz="1600" b="0" i="0" dirty="0">
-                <a:solidFill>
-                  <a:schemeClr val="bg2"/>
-                </a:solidFill>
-                <a:effectLst/>
-                <a:latin typeface="Söhne"/>
-              </a:rPr>
-              <a:t>Lack of experience in UX design</a:t>
-            </a:r>
-          </a:p>
-          <a:p>
-            <a:pPr marL="285750" indent="-285750" algn="l">
-              <a:buClr>
-                <a:schemeClr val="bg2"/>
-              </a:buClr>
-              <a:buFont typeface="Arial" panose="020B0604020202020204" pitchFamily="34" charset="0"/>
-              <a:buChar char="•"/>
-            </a:pPr>
-            <a:r>
-              <a:rPr lang="en-US" sz="1600" b="0" i="0" dirty="0">
-                <a:solidFill>
-                  <a:schemeClr val="bg2"/>
-                </a:solidFill>
-                <a:effectLst/>
-                <a:latin typeface="Söhne"/>
-              </a:rPr>
-              <a:t>Difficulty in acquiring free data storage</a:t>
-            </a:r>
-          </a:p>
-          <a:p>
-            <a:pPr marL="285750" indent="-285750" algn="l">
-              <a:buClr>
-                <a:schemeClr val="bg2"/>
-              </a:buClr>
-              <a:buFont typeface="Arial" panose="020B0604020202020204" pitchFamily="34" charset="0"/>
-              <a:buChar char="•"/>
-            </a:pPr>
-            <a:r>
-              <a:rPr lang="en-US" sz="1600" b="0" i="0" dirty="0">
-                <a:solidFill>
-                  <a:schemeClr val="bg2"/>
-                </a:solidFill>
-                <a:effectLst/>
-                <a:latin typeface="Söhne"/>
-              </a:rPr>
-              <a:t>Uncertainty of the success of our novel idea</a:t>
-            </a:r>
-          </a:p>
-          <a:p>
-            <a:pPr marL="285750" indent="-285750" algn="l">
-              <a:buClr>
-                <a:schemeClr val="bg2"/>
-              </a:buClr>
-              <a:buFont typeface="Arial" panose="020B0604020202020204" pitchFamily="34" charset="0"/>
-              <a:buChar char="•"/>
-            </a:pPr>
-            <a:endParaRPr lang="en-US" sz="1600" b="1" i="0" dirty="0">
-              <a:solidFill>
-                <a:schemeClr val="bg2"/>
-              </a:solidFill>
-              <a:effectLst/>
-              <a:latin typeface="Söhne"/>
-            </a:endParaRPr>
-          </a:p>
-        </p:txBody>
-      </p:sp>
-    </p:spTree>
-    <p:extLst>
-      <p:ext uri="{BB962C8B-B14F-4D97-AF65-F5344CB8AC3E}">
-        <p14:creationId xmlns:p14="http://schemas.microsoft.com/office/powerpoint/2010/main" val="335608332"/>
-      </p:ext>
-    </p:extLst>
-  </p:cSld>
-  <p:clrMapOvr>
-    <a:masterClrMapping/>
-  </p:clrMapOvr>
-</p:sld>
-</file>
-
 <file path=ppt/slides/slide2.xml><?xml version="1.0" encoding="utf-8"?>
 <p:sld xmlns:a="http://schemas.openxmlformats.org/drawingml/2006/main" xmlns:r="http://schemas.openxmlformats.org/officeDocument/2006/relationships" xmlns:p="http://schemas.openxmlformats.org/presentationml/2006/main">
   <p:cSld>
@@ -10803,25 +9692,9 @@
 <file path=ppt/slides/slide5.xml><?xml version="1.0" encoding="utf-8"?>
 <p:sld xmlns:a="http://schemas.openxmlformats.org/drawingml/2006/main" xmlns:r="http://schemas.openxmlformats.org/officeDocument/2006/relationships" xmlns:p="http://schemas.openxmlformats.org/presentationml/2006/main">
   <p:cSld>
-    <p:bg>
-      <p:bgPr>
-        <a:gradFill>
-          <a:gsLst>
-            <a:gs pos="0">
-              <a:srgbClr val="E5B2CA"/>
-            </a:gs>
-            <a:gs pos="100000">
-              <a:srgbClr val="613FB8"/>
-            </a:gs>
-          </a:gsLst>
-          <a:lin ang="5400700" scaled="0"/>
-        </a:gradFill>
-        <a:effectLst/>
-      </p:bgPr>
-    </p:bg>
     <p:spTree>
       <p:nvGrpSpPr>
-        <p:cNvPr id="1" name="Shape 367"/>
+        <p:cNvPr id="1" name="Shape 390"/>
         <p:cNvGrpSpPr/>
         <p:nvPr/>
       </p:nvGrpSpPr>
@@ -10835,7 +9708,7 @@
       </p:grpSpPr>
       <p:sp>
         <p:nvSpPr>
-          <p:cNvPr id="368" name="Google Shape;368;p50"/>
+          <p:cNvPr id="391" name="Google Shape;391;p53"/>
           <p:cNvSpPr txBox="1">
             <a:spLocks noGrp="1"/>
           </p:cNvSpPr>
@@ -10844,21 +9717,21 @@
           </p:nvPr>
         </p:nvSpPr>
         <p:spPr>
-          <a:xfrm>
-            <a:off x="1250675" y="1851425"/>
-            <a:ext cx="6658800" cy="670500"/>
+          <a:xfrm flipH="1">
+            <a:off x="749100" y="500825"/>
+            <a:ext cx="8394900" cy="670500"/>
           </a:xfrm>
           <a:prstGeom prst="rect">
             <a:avLst/>
           </a:prstGeom>
         </p:spPr>
         <p:txBody>
-          <a:bodyPr spcFirstLastPara="1" wrap="square" lIns="91425" tIns="91425" rIns="91425" bIns="91425" anchor="b" anchorCtr="0">
+          <a:bodyPr spcFirstLastPara="1" wrap="square" lIns="91425" tIns="91425" rIns="91425" bIns="91425" anchor="t" anchorCtr="0">
             <a:noAutofit/>
           </a:bodyPr>
           <a:lstStyle/>
           <a:p>
-            <a:pPr marL="0" lvl="0" indent="0" algn="ctr" rtl="0">
+            <a:pPr marL="0" lvl="0" indent="0" algn="l" rtl="0">
               <a:spcBef>
                 <a:spcPts val="0"/>
               </a:spcBef>
@@ -10872,6 +9745,168 @@
               <a:t>VISION</a:t>
             </a:r>
             <a:endParaRPr dirty="0"/>
+          </a:p>
+        </p:txBody>
+      </p:sp>
+      <p:sp>
+        <p:nvSpPr>
+          <p:cNvPr id="5" name="TextBox 4">
+            <a:extLst>
+              <a:ext uri="{FF2B5EF4-FFF2-40B4-BE49-F238E27FC236}">
+                <a16:creationId xmlns:a16="http://schemas.microsoft.com/office/drawing/2014/main" id="{19EA374F-4DB4-5AC0-6209-68BCAEECE40C}"/>
+              </a:ext>
+            </a:extLst>
+          </p:cNvPr>
+          <p:cNvSpPr txBox="1"/>
+          <p:nvPr/>
+        </p:nvSpPr>
+        <p:spPr>
+          <a:xfrm>
+            <a:off x="749100" y="1239065"/>
+            <a:ext cx="5564294" cy="2800767"/>
+          </a:xfrm>
+          <a:prstGeom prst="rect">
+            <a:avLst/>
+          </a:prstGeom>
+          <a:noFill/>
+        </p:spPr>
+        <p:txBody>
+          <a:bodyPr wrap="square">
+            <a:spAutoFit/>
+          </a:bodyPr>
+          <a:lstStyle/>
+          <a:p>
+            <a:pPr marL="285750" indent="-285750">
+              <a:buClr>
+                <a:schemeClr val="bg2"/>
+              </a:buClr>
+              <a:buFont typeface="Arial" panose="020B0604020202020204" pitchFamily="34" charset="0"/>
+              <a:buChar char="•"/>
+            </a:pPr>
+            <a:r>
+              <a:rPr lang="en-US" sz="1600" dirty="0">
+                <a:solidFill>
+                  <a:schemeClr val="bg2"/>
+                </a:solidFill>
+                <a:latin typeface="Söhne"/>
+              </a:rPr>
+              <a:t>Database of restaurant info and reviews from Google and Yelp</a:t>
+            </a:r>
+          </a:p>
+          <a:p>
+            <a:pPr marL="285750" indent="-285750">
+              <a:buClr>
+                <a:schemeClr val="bg2"/>
+              </a:buClr>
+              <a:buFont typeface="Arial" panose="020B0604020202020204" pitchFamily="34" charset="0"/>
+              <a:buChar char="•"/>
+            </a:pPr>
+            <a:r>
+              <a:rPr lang="en-US" sz="1600" b="1" dirty="0">
+                <a:solidFill>
+                  <a:schemeClr val="bg2"/>
+                </a:solidFill>
+                <a:latin typeface="Söhne"/>
+              </a:rPr>
+              <a:t>Target audience: </a:t>
+            </a:r>
+            <a:r>
+              <a:rPr lang="en-US" sz="1600" dirty="0">
+                <a:solidFill>
+                  <a:schemeClr val="bg2"/>
+                </a:solidFill>
+                <a:latin typeface="Söhne"/>
+              </a:rPr>
+              <a:t>customers looking for restaurant and restaurant owners in Cincinnati</a:t>
+            </a:r>
+          </a:p>
+          <a:p>
+            <a:pPr marL="285750" indent="-285750">
+              <a:buClr>
+                <a:schemeClr val="bg2"/>
+              </a:buClr>
+              <a:buFont typeface="Arial" panose="020B0604020202020204" pitchFamily="34" charset="0"/>
+              <a:buChar char="•"/>
+            </a:pPr>
+            <a:r>
+              <a:rPr lang="en-US" sz="1600" b="1" dirty="0">
+                <a:solidFill>
+                  <a:schemeClr val="bg2"/>
+                </a:solidFill>
+                <a:latin typeface="Söhne"/>
+              </a:rPr>
+              <a:t>Competitors:</a:t>
+            </a:r>
+            <a:r>
+              <a:rPr lang="en-US" sz="1600" dirty="0">
+                <a:solidFill>
+                  <a:schemeClr val="bg2"/>
+                </a:solidFill>
+                <a:latin typeface="Söhne"/>
+              </a:rPr>
+              <a:t> Yelp, Google, and Tripadvisor</a:t>
+            </a:r>
+          </a:p>
+          <a:p>
+            <a:pPr marL="285750" indent="-285750">
+              <a:buClr>
+                <a:schemeClr val="bg2"/>
+              </a:buClr>
+              <a:buFont typeface="Arial" panose="020B0604020202020204" pitchFamily="34" charset="0"/>
+              <a:buChar char="•"/>
+            </a:pPr>
+            <a:r>
+              <a:rPr lang="en-US" sz="1600" dirty="0">
+                <a:solidFill>
+                  <a:schemeClr val="bg2"/>
+                </a:solidFill>
+                <a:latin typeface="Söhne"/>
+              </a:rPr>
+              <a:t>Website focuses on restaurant suggestions and reviews of dishes</a:t>
+            </a:r>
+          </a:p>
+          <a:p>
+            <a:pPr marL="285750" indent="-285750">
+              <a:buClr>
+                <a:schemeClr val="bg2"/>
+              </a:buClr>
+              <a:buFont typeface="Arial" panose="020B0604020202020204" pitchFamily="34" charset="0"/>
+              <a:buChar char="•"/>
+            </a:pPr>
+            <a:r>
+              <a:rPr lang="en-US" sz="1600" dirty="0">
+                <a:solidFill>
+                  <a:schemeClr val="bg2"/>
+                </a:solidFill>
+                <a:latin typeface="Söhne"/>
+              </a:rPr>
+              <a:t>User interface like an "online-dating" app for picking a restaurant</a:t>
+            </a:r>
+          </a:p>
+          <a:p>
+            <a:pPr marL="285750" indent="-285750">
+              <a:buClr>
+                <a:schemeClr val="bg2"/>
+              </a:buClr>
+              <a:buFont typeface="Arial" panose="020B0604020202020204" pitchFamily="34" charset="0"/>
+              <a:buChar char="•"/>
+            </a:pPr>
+            <a:r>
+              <a:rPr lang="en-US" sz="1600" dirty="0">
+                <a:solidFill>
+                  <a:schemeClr val="bg2"/>
+                </a:solidFill>
+                <a:latin typeface="Söhne"/>
+              </a:rPr>
+              <a:t>Description generated from databases or restaurant owners' profiles.</a:t>
+            </a:r>
+            <a:endParaRPr lang="en-US" sz="1600" i="0" dirty="0">
+              <a:solidFill>
+                <a:schemeClr val="bg2"/>
+              </a:solidFill>
+              <a:effectLst/>
+              <a:latin typeface="Söhne"/>
+            </a:endParaRPr>
           </a:p>
         </p:txBody>
       </p:sp>
@@ -10936,7 +9971,7 @@
             </a:pPr>
             <a:r>
               <a:rPr lang="es" dirty="0"/>
-              <a:t>VISION</a:t>
+              <a:t>SOFTWARE ARCHITECTURE</a:t>
             </a:r>
             <a:endParaRPr dirty="0"/>
           </a:p>
@@ -10956,8 +9991,8 @@
         </p:nvSpPr>
         <p:spPr>
           <a:xfrm>
-            <a:off x="749100" y="1239065"/>
-            <a:ext cx="5564294" cy="2800767"/>
+            <a:off x="749100" y="1172756"/>
+            <a:ext cx="4663341" cy="2800767"/>
           </a:xfrm>
           <a:prstGeom prst="rect">
             <a:avLst/>
@@ -10970,7 +10005,7 @@
           </a:bodyPr>
           <a:lstStyle/>
           <a:p>
-            <a:pPr marL="285750" indent="-285750">
+            <a:pPr marL="285750" indent="-285750" algn="l">
               <a:buClr>
                 <a:schemeClr val="bg2"/>
               </a:buClr>
@@ -10978,17 +10013,18 @@
               <a:buChar char="•"/>
             </a:pPr>
             <a:r>
-              <a:rPr lang="en-US" sz="1600" dirty="0">
+              <a:rPr lang="en-US" sz="1600" b="0" i="0" dirty="0">
                 <a:solidFill>
                   <a:schemeClr val="bg2"/>
                 </a:solidFill>
+                <a:effectLst/>
                 <a:latin typeface="Söhne"/>
               </a:rPr>
-              <a:t>Database of restaurant info and reviews from Google and Yelp</a:t>
+              <a:t>Data stored: User settings, restaurant info (menu, prices, location, reviews, images)</a:t>
             </a:r>
           </a:p>
           <a:p>
-            <a:pPr marL="285750" indent="-285750">
+            <a:pPr marL="285750" indent="-285750" algn="l">
               <a:buClr>
                 <a:schemeClr val="bg2"/>
               </a:buClr>
@@ -10996,26 +10032,18 @@
               <a:buChar char="•"/>
             </a:pPr>
             <a:r>
-              <a:rPr lang="en-US" sz="1600" b="1" dirty="0">
+              <a:rPr lang="en-US" sz="1600" b="0" i="0" dirty="0">
                 <a:solidFill>
                   <a:schemeClr val="bg2"/>
                 </a:solidFill>
+                <a:effectLst/>
                 <a:latin typeface="Söhne"/>
               </a:rPr>
-              <a:t>Target audience: </a:t>
-            </a:r>
-            <a:r>
-              <a:rPr lang="en-US" sz="1600" dirty="0">
-                <a:solidFill>
-                  <a:schemeClr val="bg2"/>
-                </a:solidFill>
-                <a:latin typeface="Söhne"/>
-              </a:rPr>
-              <a:t>customers looking for restaurant and restaurant owners in Cincinnati</a:t>
+              <a:t>3 databases: Customer, provider, memory cache for filtering</a:t>
             </a:r>
           </a:p>
           <a:p>
-            <a:pPr marL="285750" indent="-285750">
+            <a:pPr marL="285750" indent="-285750" algn="l">
               <a:buClr>
                 <a:schemeClr val="bg2"/>
               </a:buClr>
@@ -11023,26 +10051,18 @@
               <a:buChar char="•"/>
             </a:pPr>
             <a:r>
-              <a:rPr lang="en-US" sz="1600" b="1" dirty="0">
+              <a:rPr lang="en-US" sz="1600" b="0" i="0" dirty="0">
                 <a:solidFill>
                   <a:schemeClr val="bg2"/>
                 </a:solidFill>
+                <a:effectLst/>
                 <a:latin typeface="Söhne"/>
               </a:rPr>
-              <a:t>Competitors:</a:t>
-            </a:r>
-            <a:r>
-              <a:rPr lang="en-US" sz="1600" dirty="0">
-                <a:solidFill>
-                  <a:schemeClr val="bg2"/>
-                </a:solidFill>
-                <a:latin typeface="Söhne"/>
-              </a:rPr>
-              <a:t> Yelp, Google, and Tripadvisor</a:t>
+              <a:t>Front-end: HTML, CSS, JS, Node.js for seamless UX</a:t>
             </a:r>
           </a:p>
           <a:p>
-            <a:pPr marL="285750" indent="-285750">
+            <a:pPr marL="285750" indent="-285750" algn="l">
               <a:buClr>
                 <a:schemeClr val="bg2"/>
               </a:buClr>
@@ -11050,17 +10070,18 @@
               <a:buChar char="•"/>
             </a:pPr>
             <a:r>
-              <a:rPr lang="en-US" sz="1600" dirty="0">
+              <a:rPr lang="en-US" sz="1600" b="0" i="0" dirty="0">
                 <a:solidFill>
                   <a:schemeClr val="bg2"/>
                 </a:solidFill>
+                <a:effectLst/>
                 <a:latin typeface="Söhne"/>
               </a:rPr>
-              <a:t>Website focuses on restaurant suggestions and reviews of dishes</a:t>
+              <a:t>Back-end: SQL and PHP to transfer data between API and databases</a:t>
             </a:r>
           </a:p>
           <a:p>
-            <a:pPr marL="285750" indent="-285750">
+            <a:pPr marL="285750" indent="-285750" algn="l">
               <a:buClr>
                 <a:schemeClr val="bg2"/>
               </a:buClr>
@@ -11068,17 +10089,18 @@
               <a:buChar char="•"/>
             </a:pPr>
             <a:r>
-              <a:rPr lang="en-US" sz="1600" dirty="0">
+              <a:rPr lang="en-US" sz="1600" b="0" i="0" dirty="0">
                 <a:solidFill>
                   <a:schemeClr val="bg2"/>
                 </a:solidFill>
+                <a:effectLst/>
                 <a:latin typeface="Söhne"/>
               </a:rPr>
-              <a:t>User interface like an "online-dating" app for picking a restaurant</a:t>
+              <a:t>Researching storage solutions and APIs like Google Maps</a:t>
             </a:r>
           </a:p>
           <a:p>
-            <a:pPr marL="285750" indent="-285750">
+            <a:pPr marL="285750" indent="-285750" algn="l">
               <a:buClr>
                 <a:schemeClr val="bg2"/>
               </a:buClr>
@@ -11086,17 +10108,27 @@
               <a:buChar char="•"/>
             </a:pPr>
             <a:r>
-              <a:rPr lang="en-US" sz="1600" dirty="0">
+              <a:rPr lang="en-US" sz="1600" b="0" i="0" dirty="0">
                 <a:solidFill>
                   <a:schemeClr val="bg2"/>
                 </a:solidFill>
+                <a:effectLst/>
                 <a:latin typeface="Söhne"/>
               </a:rPr>
-              <a:t>Description generated from databases or restaurant owners' profiles.</a:t>
+              <a:t>Considering AWS hosting.</a:t>
             </a:r>
-            <a:endParaRPr lang="en-US" sz="1600" i="0" dirty="0">
+          </a:p>
+          <a:p>
+            <a:pPr marL="285750" indent="-285750" algn="l">
+              <a:buClr>
+                <a:schemeClr val="bg2"/>
+              </a:buClr>
+              <a:buFont typeface="Arial" panose="020B0604020202020204" pitchFamily="34" charset="0"/>
+              <a:buChar char="•"/>
+            </a:pPr>
+            <a:endParaRPr lang="en-US" sz="1600" b="1" i="0" dirty="0">
               <a:solidFill>
-                <a:schemeClr val="bg2"/>
+                <a:srgbClr val="D1D5DB"/>
               </a:solidFill>
               <a:effectLst/>
               <a:latin typeface="Söhne"/>
@@ -11105,76 +10137,9 @@
         </p:txBody>
       </p:sp>
     </p:spTree>
-  </p:cSld>
-  <p:clrMapOvr>
-    <a:masterClrMapping/>
-  </p:clrMapOvr>
-</p:sld>
-</file>
-
-<file path=ppt/slides/slide7.xml><?xml version="1.0" encoding="utf-8"?>
-<p:sld xmlns:a="http://schemas.openxmlformats.org/drawingml/2006/main" xmlns:r="http://schemas.openxmlformats.org/officeDocument/2006/relationships" xmlns:p="http://schemas.openxmlformats.org/presentationml/2006/main">
-  <p:cSld>
-    <p:spTree>
-      <p:nvGrpSpPr>
-        <p:cNvPr id="1" name="Shape 367"/>
-        <p:cNvGrpSpPr/>
-        <p:nvPr/>
-      </p:nvGrpSpPr>
-      <p:grpSpPr>
-        <a:xfrm>
-          <a:off x="0" y="0"/>
-          <a:ext cx="0" cy="0"/>
-          <a:chOff x="0" y="0"/>
-          <a:chExt cx="0" cy="0"/>
-        </a:xfrm>
-      </p:grpSpPr>
-      <p:sp>
-        <p:nvSpPr>
-          <p:cNvPr id="368" name="Google Shape;368;p50"/>
-          <p:cNvSpPr txBox="1">
-            <a:spLocks noGrp="1"/>
-          </p:cNvSpPr>
-          <p:nvPr>
-            <p:ph type="ctrTitle"/>
-          </p:nvPr>
-        </p:nvSpPr>
-        <p:spPr>
-          <a:xfrm>
-            <a:off x="1242600" y="1837978"/>
-            <a:ext cx="6658800" cy="670500"/>
-          </a:xfrm>
-          <a:prstGeom prst="rect">
-            <a:avLst/>
-          </a:prstGeom>
-        </p:spPr>
-        <p:txBody>
-          <a:bodyPr spcFirstLastPara="1" wrap="square" lIns="91425" tIns="91425" rIns="91425" bIns="91425" anchor="b" anchorCtr="0">
-            <a:noAutofit/>
-          </a:bodyPr>
-          <a:lstStyle/>
-          <a:p>
-            <a:pPr marL="0" lvl="0" indent="0" algn="ctr" rtl="0">
-              <a:spcBef>
-                <a:spcPts val="0"/>
-              </a:spcBef>
-              <a:spcAft>
-                <a:spcPts val="0"/>
-              </a:spcAft>
-              <a:buNone/>
-            </a:pPr>
-            <a:r>
-              <a:rPr lang="es" dirty="0"/>
-              <a:t>SOFTWARE ARCHITECTURE</a:t>
-            </a:r>
-            <a:endParaRPr dirty="0"/>
-          </a:p>
-        </p:txBody>
-      </p:sp>
-    </p:spTree>
     <p:extLst>
       <p:ext uri="{BB962C8B-B14F-4D97-AF65-F5344CB8AC3E}">
-        <p14:creationId xmlns:p14="http://schemas.microsoft.com/office/powerpoint/2010/main" val="3477040094"/>
+        <p14:creationId xmlns:p14="http://schemas.microsoft.com/office/powerpoint/2010/main" val="1676331177"/>
       </p:ext>
     </p:extLst>
   </p:cSld>
@@ -11184,7 +10149,7 @@
 </p:sld>
 </file>
 
-<file path=ppt/slides/slide8.xml><?xml version="1.0" encoding="utf-8"?>
+<file path=ppt/slides/slide7.xml><?xml version="1.0" encoding="utf-8"?>
 <p:sld xmlns:a="http://schemas.openxmlformats.org/drawingml/2006/main" xmlns:r="http://schemas.openxmlformats.org/officeDocument/2006/relationships" xmlns:p="http://schemas.openxmlformats.org/presentationml/2006/main">
   <p:cSld>
     <p:spTree>
@@ -11237,7 +10202,7 @@
             </a:pPr>
             <a:r>
               <a:rPr lang="es" dirty="0"/>
-              <a:t>SOFTWARE ARCHITECTURE</a:t>
+              <a:t>CHALLENGES &amp; RISKS</a:t>
             </a:r>
             <a:endParaRPr dirty="0"/>
           </a:p>
@@ -11245,10 +10210,10 @@
       </p:sp>
       <p:sp>
         <p:nvSpPr>
-          <p:cNvPr id="5" name="TextBox 4">
+          <p:cNvPr id="4" name="TextBox 3">
             <a:extLst>
               <a:ext uri="{FF2B5EF4-FFF2-40B4-BE49-F238E27FC236}">
-                <a16:creationId xmlns:a16="http://schemas.microsoft.com/office/drawing/2014/main" id="{19EA374F-4DB4-5AC0-6209-68BCAEECE40C}"/>
+                <a16:creationId xmlns:a16="http://schemas.microsoft.com/office/drawing/2014/main" id="{F10025B3-EE60-2096-B265-441C49378FA0}"/>
               </a:ext>
             </a:extLst>
           </p:cNvPr>
@@ -11257,8 +10222,8 @@
         </p:nvSpPr>
         <p:spPr>
           <a:xfrm>
-            <a:off x="749100" y="1171366"/>
-            <a:ext cx="4663341" cy="2800767"/>
+            <a:off x="749100" y="1171325"/>
+            <a:ext cx="6135794" cy="2308324"/>
           </a:xfrm>
           <a:prstGeom prst="rect">
             <a:avLst/>
@@ -11286,7 +10251,7 @@
                 <a:effectLst/>
                 <a:latin typeface="Söhne"/>
               </a:rPr>
-              <a:t>Data stored: User settings, restaurant info (menu, prices, location, reviews, images)</a:t>
+              <a:t>Securing data storage and encryption</a:t>
             </a:r>
           </a:p>
           <a:p>
@@ -11305,7 +10270,7 @@
                 <a:effectLst/>
                 <a:latin typeface="Söhne"/>
               </a:rPr>
-              <a:t>3 databases: Customer, provider, memory cache for filtering</a:t>
+              <a:t>Designing an efficient and fast data structure</a:t>
             </a:r>
           </a:p>
           <a:p>
@@ -11324,7 +10289,7 @@
                 <a:effectLst/>
                 <a:latin typeface="Söhne"/>
               </a:rPr>
-              <a:t>Front-end: HTML, CSS, JS, Node.js for seamless UX</a:t>
+              <a:t>Creating a unique and engaging user experience</a:t>
             </a:r>
           </a:p>
           <a:p>
@@ -11343,7 +10308,7 @@
                 <a:effectLst/>
                 <a:latin typeface="Söhne"/>
               </a:rPr>
-              <a:t>Back-end: SQL and PHP to transfer data between API and databases</a:t>
+              <a:t>Finding restaurants to host on our website</a:t>
             </a:r>
           </a:p>
           <a:p>
@@ -11362,7 +10327,7 @@
                 <a:effectLst/>
                 <a:latin typeface="Söhne"/>
               </a:rPr>
-              <a:t>Researching storage solutions and APIs like Google Maps</a:t>
+              <a:t>Risk of data breach by hackers</a:t>
             </a:r>
           </a:p>
           <a:p>
@@ -11381,7 +10346,45 @@
                 <a:effectLst/>
                 <a:latin typeface="Söhne"/>
               </a:rPr>
-              <a:t>Considering AWS hosting.</a:t>
+              <a:t>Lack of experience in UX design</a:t>
+            </a:r>
+          </a:p>
+          <a:p>
+            <a:pPr marL="285750" indent="-285750" algn="l">
+              <a:buClr>
+                <a:schemeClr val="bg2"/>
+              </a:buClr>
+              <a:buFont typeface="Arial" panose="020B0604020202020204" pitchFamily="34" charset="0"/>
+              <a:buChar char="•"/>
+            </a:pPr>
+            <a:r>
+              <a:rPr lang="en-US" sz="1600" b="0" i="0" dirty="0">
+                <a:solidFill>
+                  <a:schemeClr val="bg2"/>
+                </a:solidFill>
+                <a:effectLst/>
+                <a:latin typeface="Söhne"/>
+              </a:rPr>
+              <a:t>Difficulty in acquiring free data storage</a:t>
+            </a:r>
+          </a:p>
+          <a:p>
+            <a:pPr marL="285750" indent="-285750" algn="l">
+              <a:buClr>
+                <a:schemeClr val="bg2"/>
+              </a:buClr>
+              <a:buFont typeface="Arial" panose="020B0604020202020204" pitchFamily="34" charset="0"/>
+              <a:buChar char="•"/>
+            </a:pPr>
+            <a:r>
+              <a:rPr lang="en-US" sz="1600" b="0" i="0" dirty="0">
+                <a:solidFill>
+                  <a:schemeClr val="bg2"/>
+                </a:solidFill>
+                <a:effectLst/>
+                <a:latin typeface="Söhne"/>
+              </a:rPr>
+              <a:t>Uncertainty of the success of our novel idea</a:t>
             </a:r>
           </a:p>
           <a:p>
@@ -11394,7 +10397,7 @@
             </a:pPr>
             <a:endParaRPr lang="en-US" sz="1600" b="1" i="0" dirty="0">
               <a:solidFill>
-                <a:srgbClr val="D1D5DB"/>
+                <a:schemeClr val="bg2"/>
               </a:solidFill>
               <a:effectLst/>
               <a:latin typeface="Söhne"/>
@@ -11405,79 +10408,7 @@
     </p:spTree>
     <p:extLst>
       <p:ext uri="{BB962C8B-B14F-4D97-AF65-F5344CB8AC3E}">
-        <p14:creationId xmlns:p14="http://schemas.microsoft.com/office/powerpoint/2010/main" val="1676331177"/>
-      </p:ext>
-    </p:extLst>
-  </p:cSld>
-  <p:clrMapOvr>
-    <a:masterClrMapping/>
-  </p:clrMapOvr>
-</p:sld>
-</file>
-
-<file path=ppt/slides/slide9.xml><?xml version="1.0" encoding="utf-8"?>
-<p:sld xmlns:a="http://schemas.openxmlformats.org/drawingml/2006/main" xmlns:r="http://schemas.openxmlformats.org/officeDocument/2006/relationships" xmlns:p="http://schemas.openxmlformats.org/presentationml/2006/main">
-  <p:cSld>
-    <p:spTree>
-      <p:nvGrpSpPr>
-        <p:cNvPr id="1" name="Shape 367"/>
-        <p:cNvGrpSpPr/>
-        <p:nvPr/>
-      </p:nvGrpSpPr>
-      <p:grpSpPr>
-        <a:xfrm>
-          <a:off x="0" y="0"/>
-          <a:ext cx="0" cy="0"/>
-          <a:chOff x="0" y="0"/>
-          <a:chExt cx="0" cy="0"/>
-        </a:xfrm>
-      </p:grpSpPr>
-      <p:sp>
-        <p:nvSpPr>
-          <p:cNvPr id="368" name="Google Shape;368;p50"/>
-          <p:cNvSpPr txBox="1">
-            <a:spLocks noGrp="1"/>
-          </p:cNvSpPr>
-          <p:nvPr>
-            <p:ph type="ctrTitle"/>
-          </p:nvPr>
-        </p:nvSpPr>
-        <p:spPr>
-          <a:xfrm>
-            <a:off x="1242600" y="1901250"/>
-            <a:ext cx="6658800" cy="670500"/>
-          </a:xfrm>
-          <a:prstGeom prst="rect">
-            <a:avLst/>
-          </a:prstGeom>
-        </p:spPr>
-        <p:txBody>
-          <a:bodyPr spcFirstLastPara="1" wrap="square" lIns="91425" tIns="91425" rIns="91425" bIns="91425" anchor="b" anchorCtr="0">
-            <a:noAutofit/>
-          </a:bodyPr>
-          <a:lstStyle/>
-          <a:p>
-            <a:pPr marL="0" lvl="0" indent="0" algn="ctr" rtl="0">
-              <a:spcBef>
-                <a:spcPts val="0"/>
-              </a:spcBef>
-              <a:spcAft>
-                <a:spcPts val="0"/>
-              </a:spcAft>
-              <a:buNone/>
-            </a:pPr>
-            <a:r>
-              <a:rPr lang="es" dirty="0"/>
-              <a:t>CHALLENGES &amp; RISKS</a:t>
-            </a:r>
-            <a:endParaRPr dirty="0"/>
-          </a:p>
-        </p:txBody>
-      </p:sp>
-    </p:spTree>
-    <p:extLst>
-      <p:ext uri="{BB962C8B-B14F-4D97-AF65-F5344CB8AC3E}">
-        <p14:creationId xmlns:p14="http://schemas.microsoft.com/office/powerpoint/2010/main" val="3701745091"/>
+        <p14:creationId xmlns:p14="http://schemas.microsoft.com/office/powerpoint/2010/main" val="335608332"/>
       </p:ext>
     </p:extLst>
   </p:cSld>
